--- a/★引っ越し用/20251011.pptx
+++ b/★引っ越し用/20251011.pptx
@@ -8,11 +8,12 @@
     <p:sldMasterId id="2147483677" r:id="rId4"/>
   </p:sldMasterIdLst>
   <p:notesMasterIdLst>
-    <p:notesMasterId r:id="rId7"/>
+    <p:notesMasterId r:id="rId8"/>
   </p:notesMasterIdLst>
   <p:sldIdLst>
     <p:sldId id="256" r:id="rId5"/>
     <p:sldId id="257" r:id="rId6"/>
+    <p:sldId id="258" r:id="rId7"/>
   </p:sldIdLst>
   <p:sldSz cx="12192000" cy="6858000"/>
   <p:notesSz cx="6858000" cy="9144000"/>
@@ -17500,7 +17501,14 @@
           <a:bodyPr/>
           <a:lstStyle/>
           <a:p>
-            <a:endParaRPr kumimoji="1" lang="ja-JP" altLang="en-US" dirty="0"/>
+            <a:r>
+              <a:rPr kumimoji="1" lang="en-US" altLang="ja-JP" sz="2000" dirty="0"/>
+              <a:t>AWS</a:t>
+            </a:r>
+            <a:r>
+              <a:rPr kumimoji="1" lang="ja-JP" altLang="en-US" sz="2000" dirty="0"/>
+              <a:t>デジタルスレッドと社外製品の比較</a:t>
+            </a:r>
           </a:p>
         </p:txBody>
       </p:sp>
@@ -17549,14 +17557,14 @@
           <p:nvPr>
             <p:extLst>
               <p:ext uri="{D42A27DB-BD31-4B8C-83A1-F6EECF244321}">
-                <p14:modId xmlns:p14="http://schemas.microsoft.com/office/powerpoint/2010/main" val="3951117140"/>
+                <p14:modId xmlns:p14="http://schemas.microsoft.com/office/powerpoint/2010/main" val="4147682487"/>
               </p:ext>
             </p:extLst>
           </p:nvPr>
         </p:nvGraphicFramePr>
         <p:xfrm>
-          <a:off x="443075" y="1309909"/>
-          <a:ext cx="11341555" cy="3916812"/>
+          <a:off x="443075" y="1133272"/>
+          <a:ext cx="11341555" cy="4264977"/>
         </p:xfrm>
         <a:graphic>
           <a:graphicData uri="http://schemas.openxmlformats.org/drawingml/2006/table">
@@ -17594,7 +17602,7 @@
                   </a:extLst>
                 </a:gridCol>
               </a:tblGrid>
-              <a:tr h="276656">
+              <a:tr h="374515">
                 <a:tc>
                   <a:txBody>
                     <a:bodyPr/>
@@ -17615,7 +17623,7 @@
                       </a:endParaRPr>
                     </a:p>
                   </a:txBody>
-                  <a:tcPr>
+                  <a:tcPr anchor="ctr">
                     <a:solidFill>
                       <a:schemeClr val="accent1"/>
                     </a:solidFill>
@@ -17632,11 +17640,11 @@
                             <a:schemeClr val="bg1"/>
                           </a:solidFill>
                         </a:rPr>
-                        <a:t>名前：会社</a:t>
+                        <a:t>名前（会社）</a:t>
                       </a:r>
                     </a:p>
                   </a:txBody>
-                  <a:tcPr>
+                  <a:tcPr anchor="ctr">
                     <a:solidFill>
                       <a:schemeClr val="accent1"/>
                     </a:solidFill>
@@ -17648,7 +17656,7 @@
                     <a:lstStyle/>
                     <a:p>
                       <a:r>
-                        <a:rPr lang="ja-JP" altLang="en-US" sz="1400" b="1" dirty="0"/>
+                        <a:rPr lang="ja-JP" altLang="en-US" sz="1400" dirty="0"/>
                         <a:t>🟢</a:t>
                       </a:r>
                       <a:r>
@@ -17661,7 +17669,7 @@
                       </a:r>
                     </a:p>
                   </a:txBody>
-                  <a:tcPr>
+                  <a:tcPr anchor="ctr">
                     <a:solidFill>
                       <a:schemeClr val="accent1"/>
                     </a:solidFill>
@@ -17673,7 +17681,7 @@
                     <a:lstStyle/>
                     <a:p>
                       <a:r>
-                        <a:rPr lang="ja-JP" altLang="en-US" sz="1400" b="1" dirty="0"/>
+                        <a:rPr lang="ja-JP" altLang="en-US" sz="1400" dirty="0"/>
                         <a:t>🔴</a:t>
                       </a:r>
                       <a:r>
@@ -17686,7 +17694,7 @@
                       </a:r>
                     </a:p>
                   </a:txBody>
-                  <a:tcPr>
+                  <a:tcPr anchor="ctr">
                     <a:solidFill>
                       <a:schemeClr val="accent1"/>
                     </a:solidFill>
@@ -17698,7 +17706,7 @@
                   </a:ext>
                 </a:extLst>
               </a:tr>
-              <a:tr h="1051292">
+              <a:tr h="1077881">
                 <a:tc>
                   <a:txBody>
                     <a:bodyPr/>
@@ -17815,7 +17823,7 @@
                       </a:r>
                       <a:r>
                         <a:rPr kumimoji="1" lang="ja-JP" altLang="en-US" sz="1400" dirty="0"/>
-                        <a:t>の構築にドメイン知識が必要。</a:t>
+                        <a:t>の構築にドメイン知識が必要</a:t>
                       </a:r>
                       <a:endParaRPr kumimoji="1" lang="en-US" altLang="ja-JP" sz="1400" dirty="0"/>
                     </a:p>
@@ -17841,19 +17849,21 @@
                       <a:r>
                         <a:rPr kumimoji="1" lang="ja-JP" altLang="en-US" sz="1400" b="1" dirty="0">
                           <a:highlight>
-                            <a:srgbClr val="FFCCFF"/>
+                            <a:srgbClr val="FFCCCC"/>
                           </a:highlight>
                         </a:rPr>
                         <a:t>開発者に深いドメイン知識が求められる</a:t>
                       </a:r>
                       <a:endParaRPr kumimoji="1" lang="en-US" altLang="ja-JP" sz="1400" b="1" dirty="0">
                         <a:highlight>
-                          <a:srgbClr val="FFCCFF"/>
+                          <a:srgbClr val="FFCCCC"/>
                         </a:highlight>
                       </a:endParaRPr>
                     </a:p>
                   </a:txBody>
-                  <a:tcPr/>
+                  <a:tcPr>
+                    <a:noFill/>
+                  </a:tcPr>
                 </a:tc>
                 <a:extLst>
                   <a:ext uri="{0D108BD9-81ED-4DB2-BD59-A6C34878D82A}">
@@ -17861,7 +17871,7 @@
                   </a:ext>
                 </a:extLst>
               </a:tr>
-              <a:tr h="1615840">
+              <a:tr h="1843803">
                 <a:tc>
                   <a:txBody>
                     <a:bodyPr/>
@@ -17916,9 +17926,13 @@
                       </a:r>
                       <a:r>
                         <a:rPr kumimoji="1" lang="ja-JP" altLang="en-US" sz="1400" dirty="0"/>
-                        <a:t>開発が一体化（レイクハウス）</a:t>
+                        <a:t>開発基盤が一体化</a:t>
                       </a:r>
-                      <a:endParaRPr kumimoji="1" lang="en-US" altLang="ja-JP" sz="1400" dirty="0"/>
+                      <a:r>
+                        <a:rPr kumimoji="1" lang="ja-JP" altLang="en-US" sz="1000" dirty="0"/>
+                        <a:t>（レイクハウス）</a:t>
+                      </a:r>
+                      <a:endParaRPr kumimoji="1" lang="en-US" altLang="ja-JP" sz="1000" dirty="0"/>
                     </a:p>
                     <a:p>
                       <a:r>
@@ -17945,7 +17959,7 @@
                             <a:srgbClr val="CCFFCC"/>
                           </a:highlight>
                         </a:rPr>
-                        <a:t>データのコンテキストを理解する</a:t>
+                        <a:t>データのコンテキストを理解しながら分析できる</a:t>
                       </a:r>
                       <a:r>
                         <a:rPr kumimoji="1" lang="en-US" altLang="ja-JP" sz="1400" b="1" dirty="0">
@@ -17961,9 +17975,24 @@
                             <a:srgbClr val="CCFFCC"/>
                           </a:highlight>
                         </a:rPr>
-                        <a:t>エージェントを簡単に構築でき、エージェントは外部から呼び出せるため、誰もが自然言語で自由に分析できる</a:t>
+                        <a:t>エージェントを簡単に構築できる</a:t>
                       </a:r>
-                      <a:endParaRPr kumimoji="1" lang="ja-JP" altLang="en-US" sz="1400" dirty="0">
+                      <a:endParaRPr kumimoji="1" lang="en-US" altLang="ja-JP" sz="1400" b="1" dirty="0">
+                        <a:highlight>
+                          <a:srgbClr val="CCFFCC"/>
+                        </a:highlight>
+                      </a:endParaRPr>
+                    </a:p>
+                    <a:p>
+                      <a:r>
+                        <a:rPr kumimoji="1" lang="ja-JP" altLang="en-US" sz="1400" b="1" dirty="0">
+                          <a:highlight>
+                            <a:srgbClr val="CCFFCC"/>
+                          </a:highlight>
+                        </a:rPr>
+                        <a:t>このエージェントを活用すれば、専門知識がないユーザーも自由な分析ができる</a:t>
+                      </a:r>
+                      <a:endParaRPr kumimoji="1" lang="en-US" altLang="ja-JP" sz="1400" b="1" dirty="0">
                         <a:highlight>
                           <a:srgbClr val="CCFFCC"/>
                         </a:highlight>
@@ -17987,7 +18016,7 @@
                       </a:r>
                       <a:r>
                         <a:rPr kumimoji="1" lang="ja-JP" altLang="en-US" sz="1400" dirty="0"/>
-                        <a:t>に未対応（ネイティブではない）</a:t>
+                        <a:t>に未対応（ネイティブはない）</a:t>
                       </a:r>
                       <a:endParaRPr kumimoji="1" lang="en-US" altLang="ja-JP" sz="1400" dirty="0"/>
                     </a:p>
@@ -18001,7 +18030,7 @@
                       <a:r>
                         <a:rPr kumimoji="1" lang="ja-JP" altLang="en-US" sz="1400" b="1" dirty="0">
                           <a:highlight>
-                            <a:srgbClr val="FFCCFF"/>
+                            <a:srgbClr val="FFCCCC"/>
                           </a:highlight>
                         </a:rPr>
                         <a:t>グラフ</a:t>
@@ -18009,7 +18038,7 @@
                       <a:r>
                         <a:rPr kumimoji="1" lang="en-US" altLang="ja-JP" sz="1400" b="1" dirty="0">
                           <a:highlight>
-                            <a:srgbClr val="FFCCFF"/>
+                            <a:srgbClr val="FFCCCC"/>
                           </a:highlight>
                         </a:rPr>
                         <a:t>DB</a:t>
@@ -18017,10 +18046,25 @@
                       <a:r>
                         <a:rPr kumimoji="1" lang="ja-JP" altLang="en-US" sz="1400" b="1" dirty="0">
                           <a:highlight>
-                            <a:srgbClr val="FFCCFF"/>
+                            <a:srgbClr val="FFCCCC"/>
                           </a:highlight>
                         </a:rPr>
-                        <a:t>を採用する場合は、自身でサードパーティーのものを組み込む必要あり</a:t>
+                        <a:t>を採用する場合は、</a:t>
+                      </a:r>
+                      <a:endParaRPr kumimoji="1" lang="en-US" altLang="ja-JP" sz="1400" b="1" dirty="0">
+                        <a:highlight>
+                          <a:srgbClr val="FFCCCC"/>
+                        </a:highlight>
+                      </a:endParaRPr>
+                    </a:p>
+                    <a:p>
+                      <a:r>
+                        <a:rPr kumimoji="1" lang="ja-JP" altLang="en-US" sz="1400" b="1" dirty="0">
+                          <a:highlight>
+                            <a:srgbClr val="FFCCCC"/>
+                          </a:highlight>
+                        </a:rPr>
+                        <a:t>自身でサードパーティーのものを組み込む必要あり</a:t>
                       </a:r>
                     </a:p>
                   </a:txBody>
@@ -18032,7 +18076,7 @@
                   </a:ext>
                 </a:extLst>
               </a:tr>
-              <a:tr h="908427">
+              <a:tr h="968778">
                 <a:tc>
                   <a:txBody>
                     <a:bodyPr/>
@@ -18132,7 +18176,7 @@
                             <a:srgbClr val="CCFFCC"/>
                           </a:highlight>
                         </a:rPr>
-                        <a:t>UIUX</a:t>
+                        <a:t>UI/UX</a:t>
                       </a:r>
                       <a:r>
                         <a:rPr kumimoji="1" lang="ja-JP" altLang="en-US" sz="1400" b="1" dirty="0">
@@ -18185,7 +18229,7 @@
                       <a:r>
                         <a:rPr kumimoji="1" lang="ja-JP" altLang="en-US" sz="1400" b="1" dirty="0">
                           <a:highlight>
-                            <a:srgbClr val="FFCCFF"/>
+                            <a:srgbClr val="FFCCCC"/>
                           </a:highlight>
                         </a:rPr>
                         <a:t>エージェントの開発生産性と拡張性で </a:t>
@@ -18193,7 +18237,7 @@
                       <a:r>
                         <a:rPr kumimoji="1" lang="en-US" altLang="ja-JP" sz="1400" b="1" dirty="0">
                           <a:highlight>
-                            <a:srgbClr val="FFCCFF"/>
+                            <a:srgbClr val="FFCCCC"/>
                           </a:highlight>
                         </a:rPr>
                         <a:t>DataBricks </a:t>
@@ -18201,7 +18245,7 @@
                       <a:r>
                         <a:rPr kumimoji="1" lang="ja-JP" altLang="en-US" sz="1400" b="1" dirty="0">
                           <a:highlight>
-                            <a:srgbClr val="FFCCFF"/>
+                            <a:srgbClr val="FFCCCC"/>
                           </a:highlight>
                         </a:rPr>
                         <a:t>に軍配</a:t>
@@ -18234,8 +18278,8 @@
         </p:nvSpPr>
         <p:spPr>
           <a:xfrm>
-            <a:off x="443075" y="5490241"/>
-            <a:ext cx="11341555" cy="869958"/>
+            <a:off x="612246" y="5540692"/>
+            <a:ext cx="10967507" cy="783889"/>
           </a:xfrm>
           <a:prstGeom prst="rect">
             <a:avLst/>
@@ -18265,7 +18309,7 @@
           <a:lstStyle/>
           <a:p>
             <a:r>
-              <a:rPr kumimoji="1" lang="ja-JP" altLang="en-US" sz="1600" b="1" dirty="0">
+              <a:rPr kumimoji="1" lang="ja-JP" altLang="en-US" sz="1400" b="1" dirty="0">
                 <a:solidFill>
                   <a:schemeClr val="tx1"/>
                 </a:solidFill>
@@ -18273,7 +18317,7 @@
               <a:t>「本当にグラフ</a:t>
             </a:r>
             <a:r>
-              <a:rPr kumimoji="1" lang="en-US" altLang="ja-JP" sz="1600" b="1" dirty="0">
+              <a:rPr kumimoji="1" lang="en-US" altLang="ja-JP" sz="1400" b="1" dirty="0">
                 <a:solidFill>
                   <a:schemeClr val="tx1"/>
                 </a:solidFill>
@@ -18281,7 +18325,7 @@
               <a:t>DB</a:t>
             </a:r>
             <a:r>
-              <a:rPr lang="ja-JP" altLang="en-US" sz="1600" b="1" dirty="0">
+              <a:rPr lang="ja-JP" altLang="en-US" sz="1400" b="1" dirty="0">
                 <a:solidFill>
                   <a:schemeClr val="tx1"/>
                 </a:solidFill>
@@ -18289,14 +18333,14 @@
               <a:t>が</a:t>
             </a:r>
             <a:r>
-              <a:rPr kumimoji="1" lang="ja-JP" altLang="en-US" sz="1600" b="1" dirty="0">
+              <a:rPr kumimoji="1" lang="ja-JP" altLang="en-US" sz="1400" b="1" dirty="0">
                 <a:solidFill>
                   <a:schemeClr val="tx1"/>
                 </a:solidFill>
               </a:rPr>
-              <a:t>必要か？」は要検討だと考えています</a:t>
-            </a:r>
-            <a:endParaRPr kumimoji="1" lang="en-US" altLang="ja-JP" sz="1600" b="1" dirty="0">
+              <a:t>必要か？」は検討が必要</a:t>
+            </a:r>
+            <a:endParaRPr kumimoji="1" lang="en-US" altLang="ja-JP" sz="1400" b="1" dirty="0">
               <a:solidFill>
                 <a:schemeClr val="tx1"/>
               </a:solidFill>
@@ -18304,7 +18348,7 @@
           </a:p>
           <a:p>
             <a:r>
-              <a:rPr lang="ja-JP" altLang="en-US" sz="1600" b="1" dirty="0">
+              <a:rPr lang="ja-JP" altLang="en-US" sz="1400" b="1" dirty="0">
                 <a:solidFill>
                   <a:schemeClr val="tx1"/>
                 </a:solidFill>
@@ -18312,7 +18356,7 @@
               <a:t>今後のエージェントの進化を踏まえると、</a:t>
             </a:r>
             <a:r>
-              <a:rPr lang="ja-JP" altLang="en-US" sz="1600" b="1" dirty="0">
+              <a:rPr lang="ja-JP" altLang="en-US" sz="1400" b="1" dirty="0">
                 <a:solidFill>
                   <a:schemeClr val="accent6"/>
                 </a:solidFill>
@@ -18320,7 +18364,7 @@
               <a:t>グラフ</a:t>
             </a:r>
             <a:r>
-              <a:rPr lang="en-US" altLang="ja-JP" sz="1600" b="1" dirty="0">
+              <a:rPr lang="en-US" altLang="ja-JP" sz="1400" b="1" dirty="0">
                 <a:solidFill>
                   <a:schemeClr val="accent6"/>
                 </a:solidFill>
@@ -18328,14 +18372,14 @@
               <a:t>DB</a:t>
             </a:r>
             <a:r>
-              <a:rPr lang="ja-JP" altLang="en-US" sz="1600" b="1" dirty="0">
+              <a:rPr lang="ja-JP" altLang="en-US" sz="1400" b="1" dirty="0">
                 <a:solidFill>
                   <a:schemeClr val="accent6"/>
                 </a:solidFill>
               </a:rPr>
               <a:t>を構築せずとも“エージェント側の能力”で代替可能では？</a:t>
             </a:r>
-            <a:endParaRPr lang="en-US" altLang="ja-JP" sz="1600" b="1" dirty="0">
+            <a:endParaRPr lang="en-US" altLang="ja-JP" sz="1400" b="1" dirty="0">
               <a:solidFill>
                 <a:schemeClr val="accent6"/>
               </a:solidFill>
@@ -18343,7 +18387,7 @@
           </a:p>
           <a:p>
             <a:r>
-              <a:rPr lang="ja-JP" altLang="en-US" sz="1600" b="1" dirty="0">
+              <a:rPr lang="ja-JP" altLang="en-US" sz="1400" b="1" dirty="0">
                 <a:solidFill>
                   <a:schemeClr val="tx1"/>
                 </a:solidFill>
@@ -18351,7 +18395,7 @@
               <a:t>上記アプローチにおいては、データ連携とエージェント開発両方を効率化できる</a:t>
             </a:r>
             <a:r>
-              <a:rPr lang="en-US" altLang="ja-JP" sz="1600" b="1" dirty="0">
+              <a:rPr lang="en-US" altLang="ja-JP" sz="1400" b="1" dirty="0">
                 <a:solidFill>
                   <a:schemeClr val="tx1"/>
                 </a:solidFill>
@@ -18359,14 +18403,30 @@
               <a:t>DataBricks</a:t>
             </a:r>
             <a:r>
-              <a:rPr lang="ja-JP" altLang="en-US" sz="1600" b="1" dirty="0">
+              <a:rPr lang="ja-JP" altLang="en-US" sz="1400" b="1" dirty="0">
                 <a:solidFill>
                   <a:schemeClr val="tx1"/>
                 </a:solidFill>
               </a:rPr>
-              <a:t>が有力な選択肢</a:t>
-            </a:r>
-            <a:endParaRPr lang="en-US" altLang="ja-JP" sz="1600" b="1" dirty="0">
+              <a:t>が有力な選択肢（</a:t>
+            </a:r>
+            <a:r>
+              <a:rPr lang="en-US" altLang="ja-JP" sz="1400" b="1" dirty="0">
+                <a:solidFill>
+                  <a:schemeClr val="tx1"/>
+                </a:solidFill>
+              </a:rPr>
+              <a:t>DXPF</a:t>
+            </a:r>
+            <a:r>
+              <a:rPr lang="ja-JP" altLang="en-US" sz="1400" b="1" dirty="0">
+                <a:solidFill>
+                  <a:schemeClr val="tx1"/>
+                </a:solidFill>
+              </a:rPr>
+              <a:t>部で導入検討中？）</a:t>
+            </a:r>
+            <a:endParaRPr lang="en-US" altLang="ja-JP" sz="1400" b="1" dirty="0">
               <a:solidFill>
                 <a:schemeClr val="bg1">
                   <a:lumMod val="75000"/>
@@ -18376,12 +18436,1004 @@
           </a:p>
         </p:txBody>
       </p:sp>
+    </p:spTree>
+    <p:extLst>
+      <p:ext uri="{BB962C8B-B14F-4D97-AF65-F5344CB8AC3E}">
+        <p14:creationId xmlns:p14="http://schemas.microsoft.com/office/powerpoint/2010/main" val="2300810558"/>
+      </p:ext>
+    </p:extLst>
+  </p:cSld>
+  <p:clrMapOvr>
+    <a:masterClrMapping/>
+  </p:clrMapOvr>
+</p:sld>
+</file>
+
+<file path=ppt/slides/slide3.xml><?xml version="1.0" encoding="utf-8"?>
+<p:sld xmlns:a="http://schemas.openxmlformats.org/drawingml/2006/main" xmlns:r="http://schemas.openxmlformats.org/officeDocument/2006/relationships" xmlns:p="http://schemas.openxmlformats.org/presentationml/2006/main">
+  <p:cSld>
+    <p:spTree>
+      <p:nvGrpSpPr>
+        <p:cNvPr id="1" name=""/>
+        <p:cNvGrpSpPr/>
+        <p:nvPr/>
+      </p:nvGrpSpPr>
+      <p:grpSpPr>
+        <a:xfrm>
+          <a:off x="0" y="0"/>
+          <a:ext cx="0" cy="0"/>
+          <a:chOff x="0" y="0"/>
+          <a:chExt cx="0" cy="0"/>
+        </a:xfrm>
+      </p:grpSpPr>
       <p:sp>
         <p:nvSpPr>
-          <p:cNvPr id="10" name="四角形: 角を丸くする 9">
+          <p:cNvPr id="2" name="テキスト プレースホルダー 1">
             <a:extLst>
               <a:ext uri="{FF2B5EF4-FFF2-40B4-BE49-F238E27FC236}">
-                <a16:creationId xmlns:a16="http://schemas.microsoft.com/office/drawing/2014/main" id="{4F1EB635-1E9D-2DC5-4D1D-B1BB780DD71E}"/>
+                <a16:creationId xmlns:a16="http://schemas.microsoft.com/office/drawing/2014/main" id="{56AAB038-DEBE-1FFE-7068-7234C62F007A}"/>
+              </a:ext>
+            </a:extLst>
+          </p:cNvPr>
+          <p:cNvSpPr>
+            <a:spLocks noGrp="1"/>
+          </p:cNvSpPr>
+          <p:nvPr>
+            <p:ph type="body" sz="quarter" idx="18"/>
+          </p:nvPr>
+        </p:nvSpPr>
+        <p:spPr/>
+        <p:txBody>
+          <a:bodyPr/>
+          <a:lstStyle/>
+          <a:p>
+            <a:endParaRPr kumimoji="1" lang="ja-JP" altLang="en-US" sz="1800" b="0" dirty="0"/>
+          </a:p>
+        </p:txBody>
+      </p:sp>
+      <p:sp>
+        <p:nvSpPr>
+          <p:cNvPr id="3" name="テキスト プレースホルダー 2">
+            <a:extLst>
+              <a:ext uri="{FF2B5EF4-FFF2-40B4-BE49-F238E27FC236}">
+                <a16:creationId xmlns:a16="http://schemas.microsoft.com/office/drawing/2014/main" id="{F525E1BF-C378-3171-08D5-5027D1B3BEBA}"/>
+              </a:ext>
+            </a:extLst>
+          </p:cNvPr>
+          <p:cNvSpPr>
+            <a:spLocks noGrp="1"/>
+          </p:cNvSpPr>
+          <p:nvPr>
+            <p:ph type="body" sz="quarter" idx="20"/>
+          </p:nvPr>
+        </p:nvSpPr>
+        <p:spPr/>
+        <p:txBody>
+          <a:bodyPr/>
+          <a:lstStyle/>
+          <a:p>
+            <a:r>
+              <a:rPr lang="ja-JP" altLang="en-US" sz="2000" dirty="0"/>
+              <a:t>まとめ、下期の方向性について</a:t>
+            </a:r>
+            <a:endParaRPr kumimoji="1" lang="ja-JP" altLang="en-US" sz="2000" dirty="0"/>
+          </a:p>
+        </p:txBody>
+      </p:sp>
+      <p:sp>
+        <p:nvSpPr>
+          <p:cNvPr id="4" name="日付プレースホルダー 3">
+            <a:extLst>
+              <a:ext uri="{FF2B5EF4-FFF2-40B4-BE49-F238E27FC236}">
+                <a16:creationId xmlns:a16="http://schemas.microsoft.com/office/drawing/2014/main" id="{375FD478-A632-975C-B326-17F4F73F9101}"/>
+              </a:ext>
+            </a:extLst>
+          </p:cNvPr>
+          <p:cNvSpPr>
+            <a:spLocks noGrp="1"/>
+          </p:cNvSpPr>
+          <p:nvPr>
+            <p:ph type="dt" sz="half" idx="19"/>
+          </p:nvPr>
+        </p:nvSpPr>
+        <p:spPr/>
+        <p:txBody>
+          <a:bodyPr/>
+          <a:lstStyle/>
+          <a:p>
+            <a:fld id="{FCAFAC13-DB77-42F2-BE26-45BA5532FD50}" type="datetime4">
+              <a:rPr lang="en-US" altLang="ja-JP" smtClean="0"/>
+              <a:pPr/>
+              <a:t>October 12, 2025</a:t>
+            </a:fld>
+            <a:endParaRPr lang="en-US" dirty="0"/>
+          </a:p>
+        </p:txBody>
+      </p:sp>
+      <p:graphicFrame>
+        <p:nvGraphicFramePr>
+          <p:cNvPr id="5" name="表 4">
+            <a:extLst>
+              <a:ext uri="{FF2B5EF4-FFF2-40B4-BE49-F238E27FC236}">
+                <a16:creationId xmlns:a16="http://schemas.microsoft.com/office/drawing/2014/main" id="{759195C1-534A-8C03-FFAE-7E0F63871A34}"/>
+              </a:ext>
+            </a:extLst>
+          </p:cNvPr>
+          <p:cNvGraphicFramePr>
+            <a:graphicFrameLocks noGrp="1"/>
+          </p:cNvGraphicFramePr>
+          <p:nvPr>
+            <p:extLst>
+              <p:ext uri="{D42A27DB-BD31-4B8C-83A1-F6EECF244321}">
+                <p14:modId xmlns:p14="http://schemas.microsoft.com/office/powerpoint/2010/main" val="785111648"/>
+              </p:ext>
+            </p:extLst>
+          </p:nvPr>
+        </p:nvGraphicFramePr>
+        <p:xfrm>
+          <a:off x="443076" y="767396"/>
+          <a:ext cx="11341554" cy="4998720"/>
+        </p:xfrm>
+        <a:graphic>
+          <a:graphicData uri="http://schemas.openxmlformats.org/drawingml/2006/table">
+            <a:tbl>
+              <a:tblPr bandRow="1">
+                <a:tableStyleId>{5C22544A-7EE6-4342-B048-85BDC9FD1C3A}</a:tableStyleId>
+              </a:tblPr>
+              <a:tblGrid>
+                <a:gridCol w="962569">
+                  <a:extLst>
+                    <a:ext uri="{9D8B030D-6E8A-4147-A177-3AD203B41FA5}">
+                      <a16:colId xmlns:a16="http://schemas.microsoft.com/office/drawing/2014/main" val="2085689521"/>
+                    </a:ext>
+                  </a:extLst>
+                </a:gridCol>
+                <a:gridCol w="1092761">
+                  <a:extLst>
+                    <a:ext uri="{9D8B030D-6E8A-4147-A177-3AD203B41FA5}">
+                      <a16:colId xmlns:a16="http://schemas.microsoft.com/office/drawing/2014/main" val="3421807147"/>
+                    </a:ext>
+                  </a:extLst>
+                </a:gridCol>
+                <a:gridCol w="2558375">
+                  <a:extLst>
+                    <a:ext uri="{9D8B030D-6E8A-4147-A177-3AD203B41FA5}">
+                      <a16:colId xmlns:a16="http://schemas.microsoft.com/office/drawing/2014/main" val="3479537808"/>
+                    </a:ext>
+                  </a:extLst>
+                </a:gridCol>
+                <a:gridCol w="3910519">
+                  <a:extLst>
+                    <a:ext uri="{9D8B030D-6E8A-4147-A177-3AD203B41FA5}">
+                      <a16:colId xmlns:a16="http://schemas.microsoft.com/office/drawing/2014/main" val="210804093"/>
+                    </a:ext>
+                  </a:extLst>
+                </a:gridCol>
+                <a:gridCol w="2817330">
+                  <a:extLst>
+                    <a:ext uri="{9D8B030D-6E8A-4147-A177-3AD203B41FA5}">
+                      <a16:colId xmlns:a16="http://schemas.microsoft.com/office/drawing/2014/main" val="1447809984"/>
+                    </a:ext>
+                  </a:extLst>
+                </a:gridCol>
+              </a:tblGrid>
+              <a:tr h="286380">
+                <a:tc>
+                  <a:txBody>
+                    <a:bodyPr/>
+                    <a:lstStyle/>
+                    <a:p>
+                      <a:r>
+                        <a:rPr kumimoji="1" lang="ja-JP" altLang="en-US" sz="1400" b="1" dirty="0">
+                          <a:solidFill>
+                            <a:schemeClr val="bg1"/>
+                          </a:solidFill>
+                        </a:rPr>
+                        <a:t>観点</a:t>
+                      </a:r>
+                    </a:p>
+                  </a:txBody>
+                  <a:tcPr anchor="ctr">
+                    <a:solidFill>
+                      <a:schemeClr val="accent1"/>
+                    </a:solidFill>
+                  </a:tcPr>
+                </a:tc>
+                <a:tc>
+                  <a:txBody>
+                    <a:bodyPr/>
+                    <a:lstStyle/>
+                    <a:p>
+                      <a:r>
+                        <a:rPr kumimoji="1" lang="ja-JP" altLang="en-US" sz="1400" b="1" dirty="0">
+                          <a:solidFill>
+                            <a:schemeClr val="bg1"/>
+                          </a:solidFill>
+                        </a:rPr>
+                        <a:t>項目</a:t>
+                      </a:r>
+                    </a:p>
+                  </a:txBody>
+                  <a:tcPr anchor="ctr">
+                    <a:solidFill>
+                      <a:schemeClr val="accent1"/>
+                    </a:solidFill>
+                  </a:tcPr>
+                </a:tc>
+                <a:tc>
+                  <a:txBody>
+                    <a:bodyPr/>
+                    <a:lstStyle/>
+                    <a:p>
+                      <a:r>
+                        <a:rPr kumimoji="1" lang="ja-JP" altLang="en-US" sz="1400" b="1" dirty="0">
+                          <a:solidFill>
+                            <a:schemeClr val="bg1"/>
+                          </a:solidFill>
+                        </a:rPr>
+                        <a:t>従来（人力）</a:t>
+                      </a:r>
+                    </a:p>
+                  </a:txBody>
+                  <a:tcPr anchor="ctr">
+                    <a:solidFill>
+                      <a:schemeClr val="accent1"/>
+                    </a:solidFill>
+                  </a:tcPr>
+                </a:tc>
+                <a:tc>
+                  <a:txBody>
+                    <a:bodyPr/>
+                    <a:lstStyle/>
+                    <a:p>
+                      <a:r>
+                        <a:rPr kumimoji="1" lang="en-US" altLang="ja-JP" sz="1400" b="1" dirty="0">
+                          <a:solidFill>
+                            <a:schemeClr val="bg1"/>
+                          </a:solidFill>
+                        </a:rPr>
+                        <a:t>AWS</a:t>
+                      </a:r>
+                      <a:r>
+                        <a:rPr kumimoji="1" lang="ja-JP" altLang="en-US" sz="1400" b="1" dirty="0">
+                          <a:solidFill>
+                            <a:schemeClr val="bg1"/>
+                          </a:solidFill>
+                        </a:rPr>
+                        <a:t>デジタルスレッド（グラフ</a:t>
+                      </a:r>
+                      <a:r>
+                        <a:rPr kumimoji="1" lang="en-US" altLang="ja-JP" sz="1400" b="1" dirty="0">
+                          <a:solidFill>
+                            <a:schemeClr val="bg1"/>
+                          </a:solidFill>
+                        </a:rPr>
+                        <a:t>DB×</a:t>
+                      </a:r>
+                      <a:r>
+                        <a:rPr kumimoji="1" lang="ja-JP" altLang="en-US" sz="1400" b="1" dirty="0">
+                          <a:solidFill>
+                            <a:schemeClr val="bg1"/>
+                          </a:solidFill>
+                        </a:rPr>
+                        <a:t>生成</a:t>
+                      </a:r>
+                      <a:r>
+                        <a:rPr kumimoji="1" lang="en-US" altLang="ja-JP" sz="1400" b="1" dirty="0">
+                          <a:solidFill>
+                            <a:schemeClr val="bg1"/>
+                          </a:solidFill>
+                        </a:rPr>
+                        <a:t>AI</a:t>
+                      </a:r>
+                      <a:r>
+                        <a:rPr kumimoji="1" lang="ja-JP" altLang="en-US" sz="1400" b="1" dirty="0">
+                          <a:solidFill>
+                            <a:schemeClr val="bg1"/>
+                          </a:solidFill>
+                        </a:rPr>
+                        <a:t>）</a:t>
+                      </a:r>
+                    </a:p>
+                  </a:txBody>
+                  <a:tcPr anchor="ctr">
+                    <a:solidFill>
+                      <a:schemeClr val="accent1"/>
+                    </a:solidFill>
+                  </a:tcPr>
+                </a:tc>
+                <a:tc>
+                  <a:txBody>
+                    <a:bodyPr/>
+                    <a:lstStyle/>
+                    <a:p>
+                      <a:r>
+                        <a:rPr kumimoji="1" lang="en-US" altLang="ja-JP" sz="1400" b="1" dirty="0">
+                          <a:solidFill>
+                            <a:schemeClr val="bg1"/>
+                          </a:solidFill>
+                        </a:rPr>
+                        <a:t>AI</a:t>
+                      </a:r>
+                      <a:r>
+                        <a:rPr kumimoji="1" lang="ja-JP" altLang="en-US" sz="1400" b="1" dirty="0">
+                          <a:solidFill>
+                            <a:schemeClr val="bg1"/>
+                          </a:solidFill>
+                        </a:rPr>
+                        <a:t>エージェント</a:t>
+                      </a:r>
+                    </a:p>
+                  </a:txBody>
+                  <a:tcPr anchor="ctr">
+                    <a:solidFill>
+                      <a:schemeClr val="accent1"/>
+                    </a:solidFill>
+                  </a:tcPr>
+                </a:tc>
+                <a:extLst>
+                  <a:ext uri="{0D108BD9-81ED-4DB2-BD59-A6C34878D82A}">
+                    <a16:rowId xmlns:a16="http://schemas.microsoft.com/office/drawing/2014/main" val="1355455300"/>
+                  </a:ext>
+                </a:extLst>
+              </a:tr>
+              <a:tr h="607148">
+                <a:tc>
+                  <a:txBody>
+                    <a:bodyPr/>
+                    <a:lstStyle/>
+                    <a:p>
+                      <a:r>
+                        <a:rPr kumimoji="1" lang="ja-JP" altLang="en-US" sz="1400" dirty="0"/>
+                        <a:t>コスト</a:t>
+                      </a:r>
+                    </a:p>
+                  </a:txBody>
+                  <a:tcPr/>
+                </a:tc>
+                <a:tc>
+                  <a:txBody>
+                    <a:bodyPr/>
+                    <a:lstStyle/>
+                    <a:p>
+                      <a:r>
+                        <a:rPr kumimoji="1" lang="en-US" altLang="ja-JP" sz="1400" b="1" dirty="0"/>
+                        <a:t>DB</a:t>
+                      </a:r>
+                      <a:r>
+                        <a:rPr kumimoji="1" lang="ja-JP" altLang="en-US" sz="1400" b="1" dirty="0"/>
+                        <a:t>コスト</a:t>
+                      </a:r>
+                      <a:endParaRPr kumimoji="1" lang="en-US" altLang="ja-JP" sz="1400" b="1" dirty="0"/>
+                    </a:p>
+                  </a:txBody>
+                  <a:tcPr/>
+                </a:tc>
+                <a:tc>
+                  <a:txBody>
+                    <a:bodyPr/>
+                    <a:lstStyle/>
+                    <a:p>
+                      <a:r>
+                        <a:rPr kumimoji="1" lang="ja-JP" altLang="en-US" sz="1400" b="0" dirty="0"/>
+                        <a:t>ー</a:t>
+                      </a:r>
+                      <a:endParaRPr kumimoji="1" lang="en-US" altLang="ja-JP" sz="1400" b="0" dirty="0"/>
+                    </a:p>
+                  </a:txBody>
+                  <a:tcPr/>
+                </a:tc>
+                <a:tc>
+                  <a:txBody>
+                    <a:bodyPr/>
+                    <a:lstStyle/>
+                    <a:p>
+                      <a:r>
+                        <a:rPr kumimoji="1" lang="ja-JP" altLang="en-US" sz="1400" b="1" dirty="0">
+                          <a:highlight>
+                            <a:srgbClr val="FFCCCC"/>
+                          </a:highlight>
+                        </a:rPr>
+                        <a:t>（一般的な</a:t>
+                      </a:r>
+                      <a:r>
+                        <a:rPr kumimoji="1" lang="en-US" altLang="ja-JP" sz="1400" b="1" dirty="0">
+                          <a:highlight>
+                            <a:srgbClr val="FFCCCC"/>
+                          </a:highlight>
+                        </a:rPr>
+                        <a:t>DB</a:t>
+                      </a:r>
+                      <a:r>
+                        <a:rPr kumimoji="1" lang="ja-JP" altLang="en-US" sz="1400" b="1" dirty="0">
+                          <a:highlight>
+                            <a:srgbClr val="FFCCCC"/>
+                          </a:highlight>
+                        </a:rPr>
+                        <a:t>）と比べると高額</a:t>
+                      </a:r>
+                      <a:endParaRPr kumimoji="1" lang="en-US" altLang="ja-JP" sz="1400" b="1" dirty="0">
+                        <a:highlight>
+                          <a:srgbClr val="FFCCCC"/>
+                        </a:highlight>
+                      </a:endParaRPr>
+                    </a:p>
+                    <a:p>
+                      <a:endParaRPr kumimoji="1" lang="en-US" altLang="ja-JP" sz="1400" b="1" dirty="0">
+                        <a:highlight>
+                          <a:srgbClr val="FFCCCC"/>
+                        </a:highlight>
+                      </a:endParaRPr>
+                    </a:p>
+                    <a:p>
+                      <a:r>
+                        <a:rPr kumimoji="1" lang="ja-JP" altLang="en-US" sz="1200" b="0" dirty="0"/>
+                        <a:t>・</a:t>
+                      </a:r>
+                      <a:r>
+                        <a:rPr kumimoji="1" lang="en-US" altLang="ja-JP" sz="1200" b="0" dirty="0"/>
+                        <a:t>Neptune 300</a:t>
+                      </a:r>
+                      <a:r>
+                        <a:rPr kumimoji="1" lang="ja-JP" altLang="en-US" sz="1200" b="0" dirty="0"/>
+                        <a:t>ドル</a:t>
+                      </a:r>
+                      <a:r>
+                        <a:rPr kumimoji="1" lang="en-US" altLang="ja-JP" sz="1200" b="0" dirty="0"/>
+                        <a:t>/</a:t>
+                      </a:r>
+                      <a:r>
+                        <a:rPr kumimoji="1" lang="ja-JP" altLang="en-US" sz="1200" b="0" dirty="0"/>
+                        <a:t>月</a:t>
+                      </a:r>
+                    </a:p>
+                  </a:txBody>
+                  <a:tcPr/>
+                </a:tc>
+                <a:tc>
+                  <a:txBody>
+                    <a:bodyPr/>
+                    <a:lstStyle/>
+                    <a:p>
+                      <a:endParaRPr kumimoji="1" lang="ja-JP" altLang="en-US" sz="1400" b="1" dirty="0">
+                        <a:highlight>
+                          <a:srgbClr val="FFCCCC"/>
+                        </a:highlight>
+                      </a:endParaRPr>
+                    </a:p>
+                  </a:txBody>
+                  <a:tcPr/>
+                </a:tc>
+                <a:extLst>
+                  <a:ext uri="{0D108BD9-81ED-4DB2-BD59-A6C34878D82A}">
+                    <a16:rowId xmlns:a16="http://schemas.microsoft.com/office/drawing/2014/main" val="1089212453"/>
+                  </a:ext>
+                </a:extLst>
+              </a:tr>
+              <a:tr h="1044549">
+                <a:tc rowSpan="3">
+                  <a:txBody>
+                    <a:bodyPr/>
+                    <a:lstStyle/>
+                    <a:p>
+                      <a:r>
+                        <a:rPr kumimoji="1" lang="ja-JP" altLang="en-US" sz="1400" dirty="0"/>
+                        <a:t>技術</a:t>
+                      </a:r>
+                    </a:p>
+                  </a:txBody>
+                  <a:tcPr/>
+                </a:tc>
+                <a:tc>
+                  <a:txBody>
+                    <a:bodyPr/>
+                    <a:lstStyle/>
+                    <a:p>
+                      <a:r>
+                        <a:rPr kumimoji="1" lang="ja-JP" altLang="en-US" sz="1400" b="1" dirty="0"/>
+                        <a:t>検索・探索</a:t>
+                      </a:r>
+                    </a:p>
+                  </a:txBody>
+                  <a:tcPr/>
+                </a:tc>
+                <a:tc>
+                  <a:txBody>
+                    <a:bodyPr/>
+                    <a:lstStyle/>
+                    <a:p>
+                      <a:r>
+                        <a:rPr kumimoji="1" lang="ja-JP" altLang="en-US" sz="1400" b="1" dirty="0">
+                          <a:highlight>
+                            <a:srgbClr val="FFCCCC"/>
+                          </a:highlight>
+                        </a:rPr>
+                        <a:t>事前にダッシュボードの設計や指標定義が必要</a:t>
+                      </a:r>
+                      <a:endParaRPr kumimoji="1" lang="en-US" altLang="ja-JP" sz="1400" b="1" dirty="0">
+                        <a:highlight>
+                          <a:srgbClr val="FFCCCC"/>
+                        </a:highlight>
+                      </a:endParaRPr>
+                    </a:p>
+                    <a:p>
+                      <a:endParaRPr kumimoji="1" lang="en-US" altLang="ja-JP" sz="1200" b="0" dirty="0"/>
+                    </a:p>
+                    <a:p>
+                      <a:r>
+                        <a:rPr kumimoji="1" lang="ja-JP" altLang="en-US" sz="1200" b="0" dirty="0"/>
+                        <a:t>・想定外の切り口や横断深掘りは作り込みが必要</a:t>
+                      </a:r>
+                      <a:endParaRPr kumimoji="1" lang="en-US" altLang="ja-JP" sz="1200" b="0" dirty="0"/>
+                    </a:p>
+                  </a:txBody>
+                  <a:tcPr/>
+                </a:tc>
+                <a:tc>
+                  <a:txBody>
+                    <a:bodyPr/>
+                    <a:lstStyle/>
+                    <a:p>
+                      <a:r>
+                        <a:rPr kumimoji="1" lang="ja-JP" altLang="en-US" sz="1400" b="1" dirty="0">
+                          <a:highlight>
+                            <a:srgbClr val="CCFFCC"/>
+                          </a:highlight>
+                        </a:rPr>
+                        <a:t>自然言語で自由に分析可</a:t>
+                      </a:r>
+                      <a:endParaRPr kumimoji="1" lang="en-US" altLang="ja-JP" sz="1400" b="1" dirty="0">
+                        <a:highlight>
+                          <a:srgbClr val="CCFFCC"/>
+                        </a:highlight>
+                      </a:endParaRPr>
+                    </a:p>
+                    <a:p>
+                      <a:endParaRPr kumimoji="1" lang="en-US" altLang="ja-JP" sz="1400" b="1" dirty="0">
+                        <a:highlight>
+                          <a:srgbClr val="CCFFCC"/>
+                        </a:highlight>
+                      </a:endParaRPr>
+                    </a:p>
+                    <a:p>
+                      <a:r>
+                        <a:rPr kumimoji="1" lang="ja-JP" altLang="en-US" sz="1200" b="0" dirty="0"/>
+                        <a:t>・複雑な関係を</a:t>
+                      </a:r>
+                      <a:r>
+                        <a:rPr kumimoji="1" lang="en-US" altLang="ja-JP" sz="1200" b="0" dirty="0"/>
+                        <a:t>1</a:t>
+                      </a:r>
+                      <a:r>
+                        <a:rPr kumimoji="1" lang="ja-JP" altLang="en-US" sz="1200" b="0" dirty="0"/>
+                        <a:t>行でクエリ生成可</a:t>
+                      </a:r>
+                      <a:endParaRPr kumimoji="1" lang="en-US" altLang="ja-JP" sz="1200" b="0" dirty="0"/>
+                    </a:p>
+                    <a:p>
+                      <a:r>
+                        <a:rPr kumimoji="1" lang="ja-JP" altLang="en-US" sz="1200" b="0" dirty="0"/>
+                        <a:t>・生成</a:t>
+                      </a:r>
+                      <a:r>
+                        <a:rPr kumimoji="1" lang="en-US" altLang="ja-JP" sz="1200" b="0" dirty="0"/>
+                        <a:t>AI</a:t>
+                      </a:r>
+                      <a:r>
+                        <a:rPr kumimoji="1" lang="ja-JP" altLang="en-US" sz="1200" b="0" dirty="0"/>
+                        <a:t>によるクエリ構築も安定</a:t>
+                      </a:r>
+                    </a:p>
+                  </a:txBody>
+                  <a:tcPr/>
+                </a:tc>
+                <a:tc>
+                  <a:txBody>
+                    <a:bodyPr/>
+                    <a:lstStyle/>
+                    <a:p>
+                      <a:endParaRPr kumimoji="1" lang="ja-JP" altLang="en-US" sz="1400" b="1" dirty="0">
+                        <a:highlight>
+                          <a:srgbClr val="FFCCCC"/>
+                        </a:highlight>
+                      </a:endParaRPr>
+                    </a:p>
+                  </a:txBody>
+                  <a:tcPr/>
+                </a:tc>
+                <a:extLst>
+                  <a:ext uri="{0D108BD9-81ED-4DB2-BD59-A6C34878D82A}">
+                    <a16:rowId xmlns:a16="http://schemas.microsoft.com/office/drawing/2014/main" val="1768716890"/>
+                  </a:ext>
+                </a:extLst>
+              </a:tr>
+              <a:tr h="890081">
+                <a:tc vMerge="1">
+                  <a:txBody>
+                    <a:bodyPr/>
+                    <a:lstStyle/>
+                    <a:p>
+                      <a:endParaRPr kumimoji="1" lang="ja-JP" altLang="en-US" sz="1400" dirty="0"/>
+                    </a:p>
+                  </a:txBody>
+                  <a:tcPr/>
+                </a:tc>
+                <a:tc>
+                  <a:txBody>
+                    <a:bodyPr/>
+                    <a:lstStyle/>
+                    <a:p>
+                      <a:r>
+                        <a:rPr kumimoji="1" lang="ja-JP" altLang="en-US" sz="1400" b="1" dirty="0"/>
+                        <a:t>分析・計算</a:t>
+                      </a:r>
+                      <a:endParaRPr kumimoji="1" lang="en-US" altLang="ja-JP" sz="1400" b="1" dirty="0"/>
+                    </a:p>
+                    <a:p>
+                      <a:endParaRPr kumimoji="1" lang="ja-JP" altLang="en-US" sz="1400" b="1" dirty="0"/>
+                    </a:p>
+                  </a:txBody>
+                  <a:tcPr/>
+                </a:tc>
+                <a:tc>
+                  <a:txBody>
+                    <a:bodyPr/>
+                    <a:lstStyle/>
+                    <a:p>
+                      <a:r>
+                        <a:rPr lang="en-US" altLang="ja-JP" sz="1400" dirty="0"/>
+                        <a:t>〃</a:t>
+                      </a:r>
+                      <a:endParaRPr kumimoji="1" lang="en-US" altLang="ja-JP" sz="1400" b="1" dirty="0"/>
+                    </a:p>
+                  </a:txBody>
+                  <a:tcPr/>
+                </a:tc>
+                <a:tc>
+                  <a:txBody>
+                    <a:bodyPr/>
+                    <a:lstStyle/>
+                    <a:p>
+                      <a:r>
+                        <a:rPr kumimoji="1" lang="ja-JP" altLang="en-US" sz="1400" b="1" dirty="0">
+                          <a:highlight>
+                            <a:srgbClr val="CCFFCC"/>
+                          </a:highlight>
+                        </a:rPr>
+                        <a:t>自然言語の指示が簡単な計算は可能</a:t>
+                      </a:r>
+                      <a:endParaRPr kumimoji="1" lang="en-US" altLang="ja-JP" sz="1400" b="1" dirty="0">
+                        <a:highlight>
+                          <a:srgbClr val="CCFFCC"/>
+                        </a:highlight>
+                      </a:endParaRPr>
+                    </a:p>
+                    <a:p>
+                      <a:endParaRPr kumimoji="1" lang="en-US" altLang="ja-JP" sz="400" b="1" dirty="0">
+                        <a:highlight>
+                          <a:srgbClr val="CCFFCC"/>
+                        </a:highlight>
+                      </a:endParaRPr>
+                    </a:p>
+                    <a:p>
+                      <a:r>
+                        <a:rPr kumimoji="1" lang="ja-JP" altLang="en-US" sz="1400" b="1" dirty="0">
+                          <a:highlight>
+                            <a:srgbClr val="FFCCCC"/>
+                          </a:highlight>
+                        </a:rPr>
+                        <a:t>複雑な計算は苦手なため要改修</a:t>
+                      </a:r>
+                      <a:endParaRPr kumimoji="1" lang="en-US" altLang="ja-JP" sz="1400" b="1" dirty="0">
+                        <a:highlight>
+                          <a:srgbClr val="FFCCCC"/>
+                        </a:highlight>
+                      </a:endParaRPr>
+                    </a:p>
+                    <a:p>
+                      <a:endParaRPr kumimoji="1" lang="en-US" altLang="ja-JP" sz="1400" b="1" dirty="0">
+                        <a:highlight>
+                          <a:srgbClr val="FFCCCC"/>
+                        </a:highlight>
+                      </a:endParaRPr>
+                    </a:p>
+                    <a:p>
+                      <a:r>
+                        <a:rPr kumimoji="1" lang="ja-JP" altLang="en-US" sz="1200" b="0" dirty="0"/>
+                        <a:t>・</a:t>
+                      </a:r>
+                      <a:r>
+                        <a:rPr kumimoji="1" lang="en-US" altLang="ja-JP" sz="1200" b="0" dirty="0"/>
+                        <a:t>DB</a:t>
+                      </a:r>
+                      <a:r>
+                        <a:rPr kumimoji="1" lang="ja-JP" altLang="en-US" sz="1200" b="0" dirty="0"/>
+                        <a:t>自体が関係重視の格納のため、集計時は各ノードを個別に訪問する必要があり非効率</a:t>
+                      </a:r>
+                      <a:endParaRPr kumimoji="1" lang="en-US" altLang="ja-JP" sz="1200" b="0" dirty="0"/>
+                    </a:p>
+                    <a:p>
+                      <a:r>
+                        <a:rPr kumimoji="1" lang="ja-JP" altLang="en-US" sz="1200" b="0" dirty="0"/>
+                        <a:t>・クエリも長くなるため生成</a:t>
+                      </a:r>
+                      <a:r>
+                        <a:rPr kumimoji="1" lang="en-US" altLang="ja-JP" sz="1200" b="0" dirty="0"/>
+                        <a:t>AI</a:t>
+                      </a:r>
+                      <a:r>
+                        <a:rPr kumimoji="1" lang="ja-JP" altLang="en-US" sz="1200" b="0" dirty="0"/>
+                        <a:t>の回答が不安定に</a:t>
+                      </a:r>
+                    </a:p>
+                  </a:txBody>
+                  <a:tcPr/>
+                </a:tc>
+                <a:tc>
+                  <a:txBody>
+                    <a:bodyPr/>
+                    <a:lstStyle/>
+                    <a:p>
+                      <a:endParaRPr kumimoji="1" lang="ja-JP" altLang="en-US" sz="1400" b="1" dirty="0">
+                        <a:highlight>
+                          <a:srgbClr val="FFCCCC"/>
+                        </a:highlight>
+                      </a:endParaRPr>
+                    </a:p>
+                  </a:txBody>
+                  <a:tcPr/>
+                </a:tc>
+                <a:extLst>
+                  <a:ext uri="{0D108BD9-81ED-4DB2-BD59-A6C34878D82A}">
+                    <a16:rowId xmlns:a16="http://schemas.microsoft.com/office/drawing/2014/main" val="253128123"/>
+                  </a:ext>
+                </a:extLst>
+              </a:tr>
+              <a:tr h="688918">
+                <a:tc vMerge="1">
+                  <a:txBody>
+                    <a:bodyPr/>
+                    <a:lstStyle/>
+                    <a:p>
+                      <a:endParaRPr kumimoji="1" lang="ja-JP" altLang="en-US" sz="1400" dirty="0"/>
+                    </a:p>
+                  </a:txBody>
+                  <a:tcPr/>
+                </a:tc>
+                <a:tc>
+                  <a:txBody>
+                    <a:bodyPr/>
+                    <a:lstStyle/>
+                    <a:p>
+                      <a:r>
+                        <a:rPr kumimoji="1" lang="ja-JP" altLang="en-US" sz="1400" b="1" dirty="0"/>
+                        <a:t>真偽判断</a:t>
+                      </a:r>
+                    </a:p>
+                  </a:txBody>
+                  <a:tcPr/>
+                </a:tc>
+                <a:tc>
+                  <a:txBody>
+                    <a:bodyPr/>
+                    <a:lstStyle/>
+                    <a:p>
+                      <a:r>
+                        <a:rPr lang="en-US" altLang="ja-JP" sz="1400" dirty="0"/>
+                        <a:t>〃</a:t>
+                      </a:r>
+                      <a:endParaRPr kumimoji="1" lang="en-US" altLang="ja-JP" sz="1400" b="1" dirty="0"/>
+                    </a:p>
+                  </a:txBody>
+                  <a:tcPr/>
+                </a:tc>
+                <a:tc>
+                  <a:txBody>
+                    <a:bodyPr/>
+                    <a:lstStyle/>
+                    <a:p>
+                      <a:r>
+                        <a:rPr kumimoji="1" lang="ja-JP" altLang="en-US" sz="1400" b="1" dirty="0">
+                          <a:highlight>
+                            <a:srgbClr val="CCFFCC"/>
+                          </a:highlight>
+                        </a:rPr>
+                        <a:t>自然言語で回答可能</a:t>
+                      </a:r>
+                      <a:endParaRPr kumimoji="1" lang="en-US" altLang="ja-JP" sz="1400" b="1" dirty="0">
+                        <a:highlight>
+                          <a:srgbClr val="CCFFCC"/>
+                        </a:highlight>
+                      </a:endParaRPr>
+                    </a:p>
+                    <a:p>
+                      <a:endParaRPr kumimoji="1" lang="en-US" altLang="ja-JP" sz="1400" b="1" dirty="0">
+                        <a:solidFill>
+                          <a:schemeClr val="tx1"/>
+                        </a:solidFill>
+                      </a:endParaRPr>
+                    </a:p>
+                    <a:p>
+                      <a:r>
+                        <a:rPr kumimoji="1" lang="ja-JP" altLang="en-US" sz="1200" b="0" dirty="0"/>
+                        <a:t>・グラフ</a:t>
+                      </a:r>
+                      <a:r>
+                        <a:rPr kumimoji="1" lang="en-US" altLang="ja-JP" sz="1200" b="0" dirty="0"/>
+                        <a:t>DB</a:t>
+                      </a:r>
+                      <a:r>
+                        <a:rPr kumimoji="1" lang="ja-JP" altLang="en-US" sz="1200" b="0" dirty="0"/>
+                        <a:t>のスキーマ情報を踏まえた上で生成</a:t>
+                      </a:r>
+                      <a:r>
+                        <a:rPr kumimoji="1" lang="en-US" altLang="ja-JP" sz="1200" b="0" dirty="0"/>
+                        <a:t>AI</a:t>
+                      </a:r>
+                      <a:r>
+                        <a:rPr kumimoji="1" lang="ja-JP" altLang="en-US" sz="1200" b="0" dirty="0"/>
+                        <a:t>が回答を考えるため</a:t>
+                      </a:r>
+                    </a:p>
+                  </a:txBody>
+                  <a:tcPr/>
+                </a:tc>
+                <a:tc>
+                  <a:txBody>
+                    <a:bodyPr/>
+                    <a:lstStyle/>
+                    <a:p>
+                      <a:endParaRPr kumimoji="1" lang="ja-JP" altLang="en-US" sz="1400" b="1" dirty="0">
+                        <a:highlight>
+                          <a:srgbClr val="FFCCCC"/>
+                        </a:highlight>
+                      </a:endParaRPr>
+                    </a:p>
+                  </a:txBody>
+                  <a:tcPr/>
+                </a:tc>
+                <a:extLst>
+                  <a:ext uri="{0D108BD9-81ED-4DB2-BD59-A6C34878D82A}">
+                    <a16:rowId xmlns:a16="http://schemas.microsoft.com/office/drawing/2014/main" val="189182148"/>
+                  </a:ext>
+                </a:extLst>
+              </a:tr>
+              <a:tr h="688918">
+                <a:tc>
+                  <a:txBody>
+                    <a:bodyPr/>
+                    <a:lstStyle/>
+                    <a:p>
+                      <a:r>
+                        <a:rPr kumimoji="1" lang="ja-JP" altLang="en-US" sz="1400" dirty="0"/>
+                        <a:t>開発</a:t>
+                      </a:r>
+                    </a:p>
+                  </a:txBody>
+                  <a:tcPr/>
+                </a:tc>
+                <a:tc>
+                  <a:txBody>
+                    <a:bodyPr/>
+                    <a:lstStyle/>
+                    <a:p>
+                      <a:r>
+                        <a:rPr kumimoji="1" lang="ja-JP" altLang="en-US" sz="1400" b="1" dirty="0"/>
+                        <a:t>データ統合</a:t>
+                      </a:r>
+                    </a:p>
+                  </a:txBody>
+                  <a:tcPr/>
+                </a:tc>
+                <a:tc>
+                  <a:txBody>
+                    <a:bodyPr/>
+                    <a:lstStyle/>
+                    <a:p>
+                      <a:r>
+                        <a:rPr kumimoji="1" lang="ja-JP" altLang="en-US" sz="1400" b="1" dirty="0">
+                          <a:highlight>
+                            <a:srgbClr val="FFCCCC"/>
+                          </a:highlight>
+                        </a:rPr>
+                        <a:t>データの加工が必要</a:t>
+                      </a:r>
+                      <a:endParaRPr kumimoji="1" lang="en-US" altLang="ja-JP" sz="1400" b="1" dirty="0">
+                        <a:highlight>
+                          <a:srgbClr val="FFCCCC"/>
+                        </a:highlight>
+                      </a:endParaRPr>
+                    </a:p>
+                    <a:p>
+                      <a:endParaRPr kumimoji="1" lang="en-US" altLang="ja-JP" sz="1400" b="1" dirty="0">
+                        <a:highlight>
+                          <a:srgbClr val="FFCCCC"/>
+                        </a:highlight>
+                      </a:endParaRPr>
+                    </a:p>
+                    <a:p>
+                      <a:r>
+                        <a:rPr kumimoji="1" lang="ja-JP" altLang="en-US" sz="1200" b="0" dirty="0"/>
+                        <a:t>・ドメイン知識と</a:t>
+                      </a:r>
+                      <a:r>
+                        <a:rPr kumimoji="1" lang="en-US" altLang="ja-JP" sz="1200" b="0" dirty="0"/>
+                        <a:t>DB</a:t>
+                      </a:r>
+                      <a:r>
+                        <a:rPr kumimoji="1" lang="ja-JP" altLang="en-US" sz="1200" b="0" dirty="0"/>
+                        <a:t>知識両方必要</a:t>
+                      </a:r>
+                      <a:endParaRPr kumimoji="1" lang="en-US" altLang="ja-JP" sz="1200" b="0" dirty="0"/>
+                    </a:p>
+                  </a:txBody>
+                  <a:tcPr/>
+                </a:tc>
+                <a:tc>
+                  <a:txBody>
+                    <a:bodyPr/>
+                    <a:lstStyle/>
+                    <a:p>
+                      <a:r>
+                        <a:rPr kumimoji="1" lang="ja-JP" altLang="en-US" sz="1400" b="1" dirty="0">
+                          <a:highlight>
+                            <a:srgbClr val="CCFFCC"/>
+                          </a:highlight>
+                        </a:rPr>
+                        <a:t>生データの形に近い形式で統合可</a:t>
+                      </a:r>
+                      <a:endParaRPr kumimoji="1" lang="en-US" altLang="ja-JP" sz="1400" b="1" dirty="0">
+                        <a:highlight>
+                          <a:srgbClr val="CCFFCC"/>
+                        </a:highlight>
+                      </a:endParaRPr>
+                    </a:p>
+                    <a:p>
+                      <a:endParaRPr kumimoji="1" lang="en-US" altLang="ja-JP" sz="1400" b="1" dirty="0">
+                        <a:highlight>
+                          <a:srgbClr val="FFCCCC"/>
+                        </a:highlight>
+                      </a:endParaRPr>
+                    </a:p>
+                    <a:p>
+                      <a:r>
+                        <a:rPr kumimoji="1" lang="ja-JP" altLang="en-US" sz="1200" b="0" dirty="0"/>
+                        <a:t>・対応表（エッジデータ）の作成必要、拡張性高</a:t>
+                      </a:r>
+                    </a:p>
+                  </a:txBody>
+                  <a:tcPr/>
+                </a:tc>
+                <a:tc>
+                  <a:txBody>
+                    <a:bodyPr/>
+                    <a:lstStyle/>
+                    <a:p>
+                      <a:endParaRPr kumimoji="1" lang="ja-JP" altLang="en-US" sz="1400" b="1" dirty="0">
+                        <a:highlight>
+                          <a:srgbClr val="FFCCCC"/>
+                        </a:highlight>
+                      </a:endParaRPr>
+                    </a:p>
+                  </a:txBody>
+                  <a:tcPr/>
+                </a:tc>
+                <a:extLst>
+                  <a:ext uri="{0D108BD9-81ED-4DB2-BD59-A6C34878D82A}">
+                    <a16:rowId xmlns:a16="http://schemas.microsoft.com/office/drawing/2014/main" val="3257344437"/>
+                  </a:ext>
+                </a:extLst>
+              </a:tr>
+            </a:tbl>
+          </a:graphicData>
+        </a:graphic>
+      </p:graphicFrame>
+      <p:sp>
+        <p:nvSpPr>
+          <p:cNvPr id="7" name="四角形: 角を丸くする 6">
+            <a:extLst>
+              <a:ext uri="{FF2B5EF4-FFF2-40B4-BE49-F238E27FC236}">
+                <a16:creationId xmlns:a16="http://schemas.microsoft.com/office/drawing/2014/main" id="{5C9F4F37-6094-CF12-201A-B9714DAB94EE}"/>
               </a:ext>
             </a:extLst>
           </p:cNvPr>
@@ -18390,18 +19442,14 @@
         </p:nvSpPr>
         <p:spPr>
           <a:xfrm>
-            <a:off x="1013295" y="2151998"/>
-            <a:ext cx="1441317" cy="424590"/>
+            <a:off x="8988358" y="1084799"/>
+            <a:ext cx="2760565" cy="4633471"/>
           </a:xfrm>
           <a:prstGeom prst="roundRect">
             <a:avLst>
-              <a:gd name="adj" fmla="val 8688"/>
+              <a:gd name="adj" fmla="val 3718"/>
             </a:avLst>
           </a:prstGeom>
-          <a:solidFill>
-            <a:schemeClr val="accent3"/>
-          </a:solidFill>
-          <a:ln w="12700"/>
         </p:spPr>
         <p:style>
           <a:lnRef idx="2">
@@ -18423,27 +19471,20 @@
           <a:bodyPr rtlCol="0" anchor="ctr"/>
           <a:lstStyle/>
           <a:p>
-            <a:r>
-              <a:rPr kumimoji="1" lang="ja-JP" altLang="en-US" sz="1000" b="1" dirty="0"/>
-              <a:t>グラフ</a:t>
-            </a:r>
-            <a:r>
-              <a:rPr kumimoji="1" lang="en-US" altLang="ja-JP" sz="1000" b="1" dirty="0"/>
-              <a:t>DB</a:t>
-            </a:r>
-            <a:r>
-              <a:rPr kumimoji="1" lang="ja-JP" altLang="en-US" sz="1000" b="1" dirty="0"/>
-              <a:t>でデータのばらつきを統合</a:t>
+            <a:pPr algn="ctr"/>
+            <a:r>
+              <a:rPr kumimoji="1" lang="ja-JP" altLang="en-US" dirty="0"/>
+              <a:t>未検証</a:t>
             </a:r>
           </a:p>
         </p:txBody>
       </p:sp>
       <p:sp>
         <p:nvSpPr>
-          <p:cNvPr id="11" name="四角形: 角を丸くする 10">
+          <p:cNvPr id="8" name="正方形/長方形 7">
             <a:extLst>
               <a:ext uri="{FF2B5EF4-FFF2-40B4-BE49-F238E27FC236}">
-                <a16:creationId xmlns:a16="http://schemas.microsoft.com/office/drawing/2014/main" id="{A4BCC1B2-D190-580E-1FC0-BCED41D1B82F}"/>
+                <a16:creationId xmlns:a16="http://schemas.microsoft.com/office/drawing/2014/main" id="{293A7EE9-E046-A7C6-F3F7-C952A89ABE95}"/>
               </a:ext>
             </a:extLst>
           </p:cNvPr>
@@ -18452,18 +19493,15 @@
         </p:nvSpPr>
         <p:spPr>
           <a:xfrm>
-            <a:off x="1013294" y="3622958"/>
-            <a:ext cx="1755845" cy="424590"/>
+            <a:off x="2051437" y="5856051"/>
+            <a:ext cx="8124831" cy="548945"/>
           </a:xfrm>
-          <a:prstGeom prst="roundRect">
-            <a:avLst>
-              <a:gd name="adj" fmla="val 8688"/>
-            </a:avLst>
+          <a:prstGeom prst="rect">
+            <a:avLst/>
           </a:prstGeom>
           <a:solidFill>
-            <a:schemeClr val="accent3"/>
+            <a:srgbClr val="FFFFCC"/>
           </a:solidFill>
-          <a:ln w="12700"/>
         </p:spPr>
         <p:style>
           <a:lnRef idx="2">
@@ -18486,145 +19524,86 @@
           <a:lstStyle/>
           <a:p>
             <a:r>
-              <a:rPr kumimoji="1" lang="ja-JP" altLang="en-US" sz="1000" b="1" dirty="0"/>
-              <a:t>エージェントの力でデータのばらつきを吸収</a:t>
-            </a:r>
-          </a:p>
-        </p:txBody>
-      </p:sp>
-      <p:sp>
-        <p:nvSpPr>
-          <p:cNvPr id="12" name="四角形: 角を丸くする 11">
-            <a:extLst>
-              <a:ext uri="{FF2B5EF4-FFF2-40B4-BE49-F238E27FC236}">
-                <a16:creationId xmlns:a16="http://schemas.microsoft.com/office/drawing/2014/main" id="{52FA0833-873A-9E97-510D-5D4393FB1B84}"/>
-              </a:ext>
-            </a:extLst>
-          </p:cNvPr>
-          <p:cNvSpPr/>
-          <p:nvPr/>
-        </p:nvSpPr>
-        <p:spPr>
-          <a:xfrm>
-            <a:off x="1013293" y="4881623"/>
-            <a:ext cx="1755845" cy="424590"/>
-          </a:xfrm>
-          <a:prstGeom prst="roundRect">
-            <a:avLst>
-              <a:gd name="adj" fmla="val 8688"/>
-            </a:avLst>
-          </a:prstGeom>
-          <a:solidFill>
-            <a:schemeClr val="accent3"/>
-          </a:solidFill>
-          <a:ln w="12700"/>
-        </p:spPr>
-        <p:style>
-          <a:lnRef idx="2">
-            <a:schemeClr val="accent1">
-              <a:shade val="15000"/>
-            </a:schemeClr>
-          </a:lnRef>
-          <a:fillRef idx="1">
-            <a:schemeClr val="accent1"/>
-          </a:fillRef>
-          <a:effectRef idx="0">
-            <a:schemeClr val="accent1"/>
-          </a:effectRef>
-          <a:fontRef idx="minor">
-            <a:schemeClr val="lt1"/>
-          </a:fontRef>
-        </p:style>
-        <p:txBody>
-          <a:bodyPr rtlCol="0" anchor="ctr"/>
-          <a:lstStyle/>
-          <a:p>
-            <a:r>
-              <a:rPr lang="ja-JP" altLang="en-US" sz="1000" b="1" dirty="0">
-                <a:solidFill>
-                  <a:schemeClr val="bg1"/>
-                </a:solidFill>
-              </a:rPr>
-              <a:t>生成</a:t>
-            </a:r>
-            <a:r>
-              <a:rPr lang="en-US" altLang="ja-JP" sz="1000" b="1" dirty="0">
-                <a:solidFill>
-                  <a:schemeClr val="bg1"/>
+              <a:rPr kumimoji="1" lang="en-US" altLang="ja-JP" sz="1400" b="1" dirty="0">
+                <a:solidFill>
+                  <a:schemeClr val="tx1"/>
+                </a:solidFill>
+              </a:rPr>
+              <a:t>AWS</a:t>
+            </a:r>
+            <a:r>
+              <a:rPr kumimoji="1" lang="ja-JP" altLang="en-US" sz="1400" b="1" dirty="0">
+                <a:solidFill>
+                  <a:schemeClr val="tx1"/>
+                </a:solidFill>
+              </a:rPr>
+              <a:t>デジタルスレッドを軸に進めるか、</a:t>
+            </a:r>
+            <a:r>
+              <a:rPr kumimoji="1" lang="en-US" altLang="ja-JP" sz="1400" b="1" dirty="0">
+                <a:solidFill>
+                  <a:schemeClr val="tx1"/>
                 </a:solidFill>
               </a:rPr>
               <a:t>AI</a:t>
             </a:r>
             <a:r>
-              <a:rPr lang="ja-JP" altLang="en-US" sz="1000" b="1" dirty="0">
-                <a:solidFill>
-                  <a:schemeClr val="bg1"/>
-                </a:solidFill>
-              </a:rPr>
-              <a:t>の力でデータのばらつきを吸収</a:t>
-            </a:r>
-          </a:p>
-        </p:txBody>
-      </p:sp>
-      <p:sp>
-        <p:nvSpPr>
-          <p:cNvPr id="13" name="四角形: 角を丸くする 12">
-            <a:extLst>
-              <a:ext uri="{FF2B5EF4-FFF2-40B4-BE49-F238E27FC236}">
-                <a16:creationId xmlns:a16="http://schemas.microsoft.com/office/drawing/2014/main" id="{28C5F13A-6B69-274E-A7C6-36F53AB13021}"/>
-              </a:ext>
-            </a:extLst>
-          </p:cNvPr>
-          <p:cNvSpPr/>
-          <p:nvPr/>
-        </p:nvSpPr>
-        <p:spPr>
-          <a:xfrm>
-            <a:off x="2026594" y="1347804"/>
-            <a:ext cx="727952" cy="213322"/>
-          </a:xfrm>
-          <a:prstGeom prst="roundRect">
-            <a:avLst>
-              <a:gd name="adj" fmla="val 8688"/>
-            </a:avLst>
-          </a:prstGeom>
-          <a:solidFill>
-            <a:schemeClr val="accent3"/>
-          </a:solidFill>
-          <a:ln w="12700"/>
-        </p:spPr>
-        <p:style>
-          <a:lnRef idx="2">
-            <a:schemeClr val="accent1">
-              <a:shade val="15000"/>
-            </a:schemeClr>
-          </a:lnRef>
-          <a:fillRef idx="1">
-            <a:schemeClr val="accent1"/>
-          </a:fillRef>
-          <a:effectRef idx="0">
-            <a:schemeClr val="accent1"/>
-          </a:effectRef>
-          <a:fontRef idx="minor">
-            <a:schemeClr val="lt1"/>
-          </a:fontRef>
-        </p:style>
-        <p:txBody>
-          <a:bodyPr rtlCol="0" anchor="ctr"/>
-          <a:lstStyle/>
-          <a:p>
-            <a:r>
-              <a:rPr lang="ja-JP" altLang="en-US" sz="800" b="1" dirty="0"/>
-              <a:t>アプローチ</a:t>
-            </a:r>
-            <a:endParaRPr kumimoji="1" lang="ja-JP" altLang="en-US" sz="800" b="1" dirty="0"/>
+              <a:rPr kumimoji="1" lang="ja-JP" altLang="en-US" sz="1400" b="1" dirty="0">
+                <a:solidFill>
+                  <a:schemeClr val="tx1"/>
+                </a:solidFill>
+              </a:rPr>
+              <a:t>エージェント（</a:t>
+            </a:r>
+            <a:r>
+              <a:rPr kumimoji="1" lang="en-US" altLang="ja-JP" sz="1400" b="1" dirty="0">
+                <a:solidFill>
+                  <a:schemeClr val="tx1"/>
+                </a:solidFill>
+              </a:rPr>
+              <a:t>Databricks</a:t>
+            </a:r>
+            <a:r>
+              <a:rPr kumimoji="1" lang="ja-JP" altLang="en-US" sz="1400" b="1" dirty="0">
+                <a:solidFill>
+                  <a:schemeClr val="tx1"/>
+                </a:solidFill>
+              </a:rPr>
+              <a:t>など）の活用に舵を切るか？</a:t>
+            </a:r>
+          </a:p>
+          <a:p>
+            <a:r>
+              <a:rPr kumimoji="1" lang="ja-JP" altLang="en-US" sz="1400" b="1" dirty="0">
+                <a:solidFill>
+                  <a:schemeClr val="tx1"/>
+                </a:solidFill>
+              </a:rPr>
+              <a:t>グラフ</a:t>
+            </a:r>
+            <a:r>
+              <a:rPr kumimoji="1" lang="en-US" altLang="ja-JP" sz="1400" b="1" dirty="0">
+                <a:solidFill>
+                  <a:schemeClr val="tx1"/>
+                </a:solidFill>
+              </a:rPr>
+              <a:t>DB</a:t>
+            </a:r>
+            <a:r>
+              <a:rPr kumimoji="1" lang="ja-JP" altLang="en-US" sz="1400" b="1" dirty="0">
+                <a:solidFill>
+                  <a:schemeClr val="tx1"/>
+                </a:solidFill>
+              </a:rPr>
+              <a:t>の必要性を検証するために、他のアプローチの比較実験を進めていく？</a:t>
+            </a:r>
           </a:p>
         </p:txBody>
       </p:sp>
     </p:spTree>
     <p:extLst>
       <p:ext uri="{BB962C8B-B14F-4D97-AF65-F5344CB8AC3E}">
-        <p14:creationId xmlns:p14="http://schemas.microsoft.com/office/powerpoint/2010/main" val="2300810558"/>
+        <p14:creationId xmlns:p14="http://schemas.microsoft.com/office/powerpoint/2010/main" val="4240230534"/>
       </p:ext>
     </p:extLst>
   </p:cSld>
